--- a/Capstone-story.pptx
+++ b/Capstone-story.pptx
@@ -5,7 +5,7 @@
     <p:sldMasterId id="2147483660" r:id="rId4"/>
   </p:sldMasterIdLst>
   <p:notesMasterIdLst>
-    <p:notesMasterId r:id="rId23"/>
+    <p:notesMasterId r:id="rId22"/>
   </p:notesMasterIdLst>
   <p:sldIdLst>
     <p:sldId id="256" r:id="rId5"/>
@@ -13,19 +13,18 @@
     <p:sldId id="260" r:id="rId7"/>
     <p:sldId id="261" r:id="rId8"/>
     <p:sldId id="262" r:id="rId9"/>
-    <p:sldId id="263" r:id="rId10"/>
-    <p:sldId id="258" r:id="rId11"/>
-    <p:sldId id="264" r:id="rId12"/>
-    <p:sldId id="278" r:id="rId13"/>
-    <p:sldId id="279" r:id="rId14"/>
-    <p:sldId id="267" r:id="rId15"/>
-    <p:sldId id="268" r:id="rId16"/>
-    <p:sldId id="269" r:id="rId17"/>
-    <p:sldId id="270" r:id="rId18"/>
-    <p:sldId id="272" r:id="rId19"/>
-    <p:sldId id="274" r:id="rId20"/>
-    <p:sldId id="275" r:id="rId21"/>
-    <p:sldId id="277" r:id="rId22"/>
+    <p:sldId id="258" r:id="rId10"/>
+    <p:sldId id="264" r:id="rId11"/>
+    <p:sldId id="278" r:id="rId12"/>
+    <p:sldId id="279" r:id="rId13"/>
+    <p:sldId id="267" r:id="rId14"/>
+    <p:sldId id="268" r:id="rId15"/>
+    <p:sldId id="269" r:id="rId16"/>
+    <p:sldId id="270" r:id="rId17"/>
+    <p:sldId id="272" r:id="rId18"/>
+    <p:sldId id="274" r:id="rId19"/>
+    <p:sldId id="275" r:id="rId20"/>
+    <p:sldId id="277" r:id="rId21"/>
   </p:sldIdLst>
   <p:sldSz cx="12192000" cy="6858000"/>
   <p:notesSz cx="6858000" cy="1857375"/>
@@ -156,6 +155,74 @@
     </p:extLst>
   </p:cmAuthor>
 </p:cmAuthorLst>
+</file>
+
+<file path=ppt/revisionInfo.xml><?xml version="1.0" encoding="utf-8"?>
+<p1510:revInfo xmlns:a="http://schemas.openxmlformats.org/drawingml/2006/main" xmlns:r="http://schemas.openxmlformats.org/officeDocument/2006/relationships" xmlns:p1510="http://schemas.microsoft.com/office/powerpoint/2015/10/main">
+  <p1510:revLst>
+    <p1510:client id="{D7AC1355-4295-4E08-A220-EFED6410F46E}" v="4" dt="2024-08-17T01:42:33.125"/>
+  </p1510:revLst>
+</p1510:revInfo>
+</file>
+
+<file path=ppt/changesInfos/changesInfo1.xml><?xml version="1.0" encoding="utf-8"?>
+<pc:chgInfo xmlns:a="http://schemas.openxmlformats.org/drawingml/2006/main" xmlns:r="http://schemas.openxmlformats.org/officeDocument/2006/relationships" xmlns:ac="http://schemas.microsoft.com/office/drawing/2013/main/command" xmlns:pc="http://schemas.microsoft.com/office/powerpoint/2013/main/command">
+  <pc:docChgLst>
+    <pc:chgData name="Christopher Davis" userId="014908aa332da495" providerId="LiveId" clId="{D7AC1355-4295-4E08-A220-EFED6410F46E}"/>
+    <pc:docChg chg="delSld modSld">
+      <pc:chgData name="Christopher Davis" userId="014908aa332da495" providerId="LiveId" clId="{D7AC1355-4295-4E08-A220-EFED6410F46E}" dt="2024-08-17T01:44:09.432" v="9" actId="2696"/>
+      <pc:docMkLst>
+        <pc:docMk/>
+      </pc:docMkLst>
+      <pc:sldChg chg="del">
+        <pc:chgData name="Christopher Davis" userId="014908aa332da495" providerId="LiveId" clId="{D7AC1355-4295-4E08-A220-EFED6410F46E}" dt="2024-08-17T01:44:09.432" v="9" actId="2696"/>
+        <pc:sldMkLst>
+          <pc:docMk/>
+          <pc:sldMk cId="1464666480" sldId="263"/>
+        </pc:sldMkLst>
+      </pc:sldChg>
+      <pc:sldChg chg="addSp delSp modSp mod">
+        <pc:chgData name="Christopher Davis" userId="014908aa332da495" providerId="LiveId" clId="{D7AC1355-4295-4E08-A220-EFED6410F46E}" dt="2024-08-17T01:43:29.937" v="8" actId="14100"/>
+        <pc:sldMkLst>
+          <pc:docMk/>
+          <pc:sldMk cId="1817399028" sldId="277"/>
+        </pc:sldMkLst>
+        <pc:spChg chg="add del mod">
+          <ac:chgData name="Christopher Davis" userId="014908aa332da495" providerId="LiveId" clId="{D7AC1355-4295-4E08-A220-EFED6410F46E}" dt="2024-08-17T01:43:19.212" v="5" actId="22"/>
+          <ac:spMkLst>
+            <pc:docMk/>
+            <pc:sldMk cId="1817399028" sldId="277"/>
+            <ac:spMk id="3" creationId="{902FD5C4-FE5F-46D2-ABC9-49FA4BB8442F}"/>
+          </ac:spMkLst>
+        </pc:spChg>
+        <pc:graphicFrameChg chg="add mod">
+          <ac:chgData name="Christopher Davis" userId="014908aa332da495" providerId="LiveId" clId="{D7AC1355-4295-4E08-A220-EFED6410F46E}" dt="2024-08-17T01:41:25.863" v="0"/>
+          <ac:graphicFrameMkLst>
+            <pc:docMk/>
+            <pc:sldMk cId="1817399028" sldId="277"/>
+            <ac:graphicFrameMk id="4" creationId="{61C8E138-FAC2-6395-0D5F-7AE2B58F0AEE}"/>
+          </ac:graphicFrameMkLst>
+        </pc:graphicFrameChg>
+        <pc:graphicFrameChg chg="add mod">
+          <ac:chgData name="Christopher Davis" userId="014908aa332da495" providerId="LiveId" clId="{D7AC1355-4295-4E08-A220-EFED6410F46E}" dt="2024-08-17T01:42:33.125" v="4"/>
+          <ac:graphicFrameMkLst>
+            <pc:docMk/>
+            <pc:sldMk cId="1817399028" sldId="277"/>
+            <ac:graphicFrameMk id="5" creationId="{7D53D6BF-1C9A-6E83-4E35-1FF51A8B1C3C}"/>
+          </ac:graphicFrameMkLst>
+        </pc:graphicFrameChg>
+        <pc:picChg chg="add mod ord">
+          <ac:chgData name="Christopher Davis" userId="014908aa332da495" providerId="LiveId" clId="{D7AC1355-4295-4E08-A220-EFED6410F46E}" dt="2024-08-17T01:43:29.937" v="8" actId="14100"/>
+          <ac:picMkLst>
+            <pc:docMk/>
+            <pc:sldMk cId="1817399028" sldId="277"/>
+            <ac:picMk id="7" creationId="{96AEA97D-3B25-39E0-6DB1-6F9EBFA87A55}"/>
+          </ac:picMkLst>
+        </pc:picChg>
+      </pc:sldChg>
+    </pc:docChg>
+  </pc:docChgLst>
+</pc:chgInfo>
 </file>
 
 <file path=ppt/ink/ink1.xml><?xml version="1.0" encoding="utf-8"?>
@@ -1897,7 +1964,7 @@
           <a:p>
             <a:fld id="{EEBDA0E2-FEBD-4B65-8F16-724CF984F377}" type="slidenum">
               <a:rPr lang="en-US" smtClean="0"/>
-              <a:t>7</a:t>
+              <a:t>6</a:t>
             </a:fld>
             <a:endParaRPr lang="en-US"/>
           </a:p>
@@ -1981,7 +2048,7 @@
           <a:p>
             <a:fld id="{EEBDA0E2-FEBD-4B65-8F16-724CF984F377}" type="slidenum">
               <a:rPr lang="en-US" smtClean="0"/>
-              <a:t>9</a:t>
+              <a:t>8</a:t>
             </a:fld>
             <a:endParaRPr lang="en-US"/>
           </a:p>
@@ -2065,7 +2132,7 @@
           <a:p>
             <a:fld id="{EEBDA0E2-FEBD-4B65-8F16-724CF984F377}" type="slidenum">
               <a:rPr lang="en-US" smtClean="0"/>
-              <a:t>13</a:t>
+              <a:t>12</a:t>
             </a:fld>
             <a:endParaRPr lang="en-US"/>
           </a:p>
@@ -2149,7 +2216,7 @@
           <a:p>
             <a:fld id="{EEBDA0E2-FEBD-4B65-8F16-724CF984F377}" type="slidenum">
               <a:rPr lang="en-US" smtClean="0"/>
-              <a:t>14</a:t>
+              <a:t>13</a:t>
             </a:fld>
             <a:endParaRPr lang="en-US"/>
           </a:p>
@@ -2159,6 +2226,90 @@
     <p:extLst>
       <p:ext uri="{BB962C8B-B14F-4D97-AF65-F5344CB8AC3E}">
         <p14:creationId xmlns:p14="http://schemas.microsoft.com/office/powerpoint/2010/main" val="314843700"/>
+      </p:ext>
+    </p:extLst>
+  </p:cSld>
+  <p:clrMapOvr>
+    <a:masterClrMapping/>
+  </p:clrMapOvr>
+</p:notes>
+</file>
+
+<file path=ppt/notesSlides/notesSlide7.xml><?xml version="1.0" encoding="utf-8"?>
+<p:notes xmlns:a="http://schemas.openxmlformats.org/drawingml/2006/main" xmlns:r="http://schemas.openxmlformats.org/officeDocument/2006/relationships" xmlns:p="http://schemas.openxmlformats.org/presentationml/2006/main">
+  <p:cSld>
+    <p:spTree>
+      <p:nvGrpSpPr>
+        <p:cNvPr id="1" name=""/>
+        <p:cNvGrpSpPr/>
+        <p:nvPr/>
+      </p:nvGrpSpPr>
+      <p:grpSpPr>
+        <a:xfrm>
+          <a:off x="0" y="0"/>
+          <a:ext cx="0" cy="0"/>
+          <a:chOff x="0" y="0"/>
+          <a:chExt cx="0" cy="0"/>
+        </a:xfrm>
+      </p:grpSpPr>
+      <p:sp>
+        <p:nvSpPr>
+          <p:cNvPr id="2" name="Slide Image Placeholder 1"/>
+          <p:cNvSpPr>
+            <a:spLocks noGrp="1" noRot="1" noChangeAspect="1"/>
+          </p:cNvSpPr>
+          <p:nvPr>
+            <p:ph type="sldImg"/>
+          </p:nvPr>
+        </p:nvSpPr>
+        <p:spPr/>
+      </p:sp>
+      <p:sp>
+        <p:nvSpPr>
+          <p:cNvPr id="3" name="Notes Placeholder 2"/>
+          <p:cNvSpPr>
+            <a:spLocks noGrp="1"/>
+          </p:cNvSpPr>
+          <p:nvPr>
+            <p:ph type="body" idx="1"/>
+          </p:nvPr>
+        </p:nvSpPr>
+        <p:spPr/>
+        <p:txBody>
+          <a:bodyPr/>
+          <a:lstStyle/>
+          <a:p>
+            <a:endParaRPr lang="en-US" dirty="0"/>
+          </a:p>
+        </p:txBody>
+      </p:sp>
+      <p:sp>
+        <p:nvSpPr>
+          <p:cNvPr id="4" name="Slide Number Placeholder 3"/>
+          <p:cNvSpPr>
+            <a:spLocks noGrp="1"/>
+          </p:cNvSpPr>
+          <p:nvPr>
+            <p:ph type="sldNum" sz="quarter" idx="5"/>
+          </p:nvPr>
+        </p:nvSpPr>
+        <p:spPr/>
+        <p:txBody>
+          <a:bodyPr/>
+          <a:lstStyle/>
+          <a:p>
+            <a:fld id="{EEBDA0E2-FEBD-4B65-8F16-724CF984F377}" type="slidenum">
+              <a:rPr lang="en-US" smtClean="0"/>
+              <a:t>17</a:t>
+            </a:fld>
+            <a:endParaRPr lang="en-US"/>
+          </a:p>
+        </p:txBody>
+      </p:sp>
+    </p:spTree>
+    <p:extLst>
+      <p:ext uri="{BB962C8B-B14F-4D97-AF65-F5344CB8AC3E}">
+        <p14:creationId xmlns:p14="http://schemas.microsoft.com/office/powerpoint/2010/main" val="2302557983"/>
       </p:ext>
     </p:extLst>
   </p:cSld>
@@ -6480,7 +6631,7 @@
           <p:cNvPr id="2" name="Title 1">
             <a:extLst>
               <a:ext uri="{FF2B5EF4-FFF2-40B4-BE49-F238E27FC236}">
-                <a16:creationId xmlns:a16="http://schemas.microsoft.com/office/drawing/2014/main" id="{65C3525F-7CB4-4C06-B037-C81D2DED9B80}"/>
+                <a16:creationId xmlns:a16="http://schemas.microsoft.com/office/drawing/2014/main" id="{2873BEC0-94F5-4226-A9E7-51B66045EF49}"/>
               </a:ext>
             </a:extLst>
           </p:cNvPr>
@@ -6493,19 +6644,19 @@
         </p:nvSpPr>
         <p:spPr>
           <a:xfrm>
-            <a:off x="838200" y="162839"/>
-            <a:ext cx="10515600" cy="1527850"/>
+            <a:off x="838200" y="365125"/>
+            <a:ext cx="10515600" cy="1325563"/>
           </a:xfrm>
         </p:spPr>
         <p:txBody>
-          <a:bodyPr>
+          <a:bodyPr anchor="ctr">
             <a:normAutofit/>
           </a:bodyPr>
           <a:lstStyle/>
           <a:p>
             <a:r>
-              <a:rPr lang="en-US" sz="3600" dirty="0"/>
-              <a:t>DATABASE TRENDS - FINDINGS &amp; IMPLICATIONS</a:t>
+              <a:rPr lang="en-US" dirty="0"/>
+              <a:t>DASHBOARD</a:t>
             </a:r>
           </a:p>
         </p:txBody>
@@ -6515,57 +6666,7 @@
           <p:cNvPr id="3" name="Content Placeholder 2">
             <a:extLst>
               <a:ext uri="{FF2B5EF4-FFF2-40B4-BE49-F238E27FC236}">
-                <a16:creationId xmlns:a16="http://schemas.microsoft.com/office/drawing/2014/main" id="{E4FC0D20-FACF-4D73-BD27-CF8F6B97546A}"/>
-              </a:ext>
-            </a:extLst>
-          </p:cNvPr>
-          <p:cNvSpPr>
-            <a:spLocks noGrp="1"/>
-          </p:cNvSpPr>
-          <p:nvPr>
-            <p:ph sz="half" idx="1"/>
-          </p:nvPr>
-        </p:nvSpPr>
-        <p:spPr>
-          <a:xfrm>
-            <a:off x="813816" y="1825625"/>
-            <a:ext cx="5181600" cy="4351338"/>
-          </a:xfrm>
-        </p:spPr>
-        <p:txBody>
-          <a:bodyPr>
-            <a:normAutofit/>
-          </a:bodyPr>
-          <a:lstStyle/>
-          <a:p>
-            <a:pPr marL="0" indent="0">
-              <a:buNone/>
-            </a:pPr>
-            <a:r>
-              <a:rPr lang="en-US" b="1" dirty="0"/>
-              <a:t>Findings</a:t>
-            </a:r>
-          </a:p>
-          <a:p>
-            <a:r>
-              <a:rPr lang="en-US" dirty="0"/>
-              <a:t>Finding 1: The continuous popularity of Python signals its robustness for future projects.</a:t>
-            </a:r>
-          </a:p>
-          <a:p>
-            <a:r>
-              <a:rPr lang="en-US" dirty="0"/>
-              <a:t>.Finding 2: The shift towards NoSQL databases like MongoDB suggests a need for more flexible data solutions</a:t>
-            </a:r>
-          </a:p>
-        </p:txBody>
-      </p:sp>
-      <p:sp>
-        <p:nvSpPr>
-          <p:cNvPr id="4" name="Content Placeholder 3">
-            <a:extLst>
-              <a:ext uri="{FF2B5EF4-FFF2-40B4-BE49-F238E27FC236}">
-                <a16:creationId xmlns:a16="http://schemas.microsoft.com/office/drawing/2014/main" id="{ACA6A89D-097D-4968-A07A-39A5B4F78A62}"/>
+                <a16:creationId xmlns:a16="http://schemas.microsoft.com/office/drawing/2014/main" id="{902FD5C4-FE5F-46D2-ABC9-49FA4BB8442F}"/>
               </a:ext>
             </a:extLst>
           </p:cNvPr>
@@ -6576,7 +6677,12 @@
             <p:ph sz="half" idx="2"/>
           </p:nvPr>
         </p:nvSpPr>
-        <p:spPr/>
+        <p:spPr>
+          <a:xfrm>
+            <a:off x="4285075" y="3142210"/>
+            <a:ext cx="7068725" cy="2569239"/>
+          </a:xfrm>
+        </p:spPr>
         <p:txBody>
           <a:bodyPr>
             <a:normAutofit/>
@@ -6587,28 +6693,54 @@
               <a:buNone/>
             </a:pPr>
             <a:r>
-              <a:rPr lang="en-US" b="1" dirty="0"/>
-              <a:t>Implications</a:t>
-            </a:r>
-          </a:p>
-          <a:p>
-            <a:r>
-              <a:rPr lang="en-US" dirty="0"/>
-              <a:t>Implication 1: Organizations should focus on building Python skills within their teams.</a:t>
-            </a:r>
-          </a:p>
-          <a:p>
-            <a:r>
-              <a:rPr lang="en-US" dirty="0"/>
-              <a:t>Implication 2: Companies may need to invest in training their workforce on NoSQL technologies.</a:t>
+              <a:rPr lang="en-US" sz="2200" dirty="0"/>
+              <a:t>&lt;The GitHub link of the Cognos</a:t>
+            </a:r>
+            <a:r>
+              <a:rPr lang="en-US" sz="2200"/>
+              <a:t>/Looker Studio </a:t>
+            </a:r>
+            <a:r>
+              <a:rPr lang="en-US" sz="2200" dirty="0"/>
+              <a:t>dashboard goes here.&gt;</a:t>
             </a:r>
           </a:p>
         </p:txBody>
       </p:sp>
+      <p:pic>
+        <p:nvPicPr>
+          <p:cNvPr id="5" name="Picture 4">
+            <a:extLst>
+              <a:ext uri="{FF2B5EF4-FFF2-40B4-BE49-F238E27FC236}">
+                <a16:creationId xmlns:a16="http://schemas.microsoft.com/office/drawing/2014/main" id="{49F6C466-B847-478E-ADAD-F2B14AA5067A}"/>
+              </a:ext>
+            </a:extLst>
+          </p:cNvPr>
+          <p:cNvPicPr>
+            <a:picLocks noChangeAspect="1"/>
+          </p:cNvPicPr>
+          <p:nvPr/>
+        </p:nvPicPr>
+        <p:blipFill>
+          <a:blip r:embed="rId2"/>
+          <a:stretch>
+            <a:fillRect/>
+          </a:stretch>
+        </p:blipFill>
+        <p:spPr>
+          <a:xfrm>
+            <a:off x="1077475" y="1901819"/>
+            <a:ext cx="3054361" cy="3054361"/>
+          </a:xfrm>
+          <a:prstGeom prst="rect">
+            <a:avLst/>
+          </a:prstGeom>
+        </p:spPr>
+      </p:pic>
     </p:spTree>
     <p:extLst>
       <p:ext uri="{BB962C8B-B14F-4D97-AF65-F5344CB8AC3E}">
-        <p14:creationId xmlns:p14="http://schemas.microsoft.com/office/powerpoint/2010/main" val="2659604895"/>
+        <p14:creationId xmlns:p14="http://schemas.microsoft.com/office/powerpoint/2010/main" val="9691683"/>
       </p:ext>
     </p:extLst>
   </p:cSld>
@@ -6665,17 +6797,17 @@
           <a:p>
             <a:r>
               <a:rPr lang="en-US" dirty="0"/>
-              <a:t>DASHBOARD</a:t>
+              <a:t>DASHBOARD TAB 1</a:t>
             </a:r>
           </a:p>
         </p:txBody>
       </p:sp>
       <p:sp>
         <p:nvSpPr>
-          <p:cNvPr id="3" name="Content Placeholder 2">
+          <p:cNvPr id="8" name="Content Placeholder 2">
             <a:extLst>
               <a:ext uri="{FF2B5EF4-FFF2-40B4-BE49-F238E27FC236}">
-                <a16:creationId xmlns:a16="http://schemas.microsoft.com/office/drawing/2014/main" id="{902FD5C4-FE5F-46D2-ABC9-49FA4BB8442F}"/>
+                <a16:creationId xmlns:a16="http://schemas.microsoft.com/office/drawing/2014/main" id="{EFCC0E64-0E5B-4BA1-BC72-30FA1DE96F29}"/>
               </a:ext>
             </a:extLst>
           </p:cNvPr>
@@ -6683,45 +6815,38 @@
             <a:spLocks noGrp="1"/>
           </p:cNvSpPr>
           <p:nvPr>
-            <p:ph sz="half" idx="2"/>
+            <p:ph idx="1"/>
           </p:nvPr>
         </p:nvSpPr>
         <p:spPr>
           <a:xfrm>
-            <a:off x="4285075" y="3142210"/>
-            <a:ext cx="7068725" cy="2569239"/>
+            <a:off x="838200" y="1690688"/>
+            <a:ext cx="10515600" cy="4351338"/>
           </a:xfrm>
         </p:spPr>
         <p:txBody>
-          <a:bodyPr>
-            <a:normAutofit/>
-          </a:bodyPr>
+          <a:bodyPr/>
           <a:lstStyle/>
           <a:p>
             <a:pPr marL="0" indent="0">
               <a:buNone/>
             </a:pPr>
-            <a:r>
-              <a:rPr lang="en-US" sz="2200" dirty="0"/>
-              <a:t>&lt;The GitHub link of the Cognos</a:t>
-            </a:r>
-            <a:r>
-              <a:rPr lang="en-US" sz="2200"/>
-              <a:t>/Looker Studio </a:t>
-            </a:r>
-            <a:r>
-              <a:rPr lang="en-US" sz="2200" dirty="0"/>
-              <a:t>dashboard goes here.&gt;</a:t>
-            </a:r>
+            <a:endParaRPr lang="en-US" dirty="0"/>
+          </a:p>
+          <a:p>
+            <a:pPr marL="0" indent="0">
+              <a:buNone/>
+            </a:pPr>
+            <a:endParaRPr lang="en-US" dirty="0"/>
           </a:p>
         </p:txBody>
       </p:sp>
       <p:pic>
         <p:nvPicPr>
-          <p:cNvPr id="5" name="Picture 4">
+          <p:cNvPr id="4" name="Picture 3">
             <a:extLst>
               <a:ext uri="{FF2B5EF4-FFF2-40B4-BE49-F238E27FC236}">
-                <a16:creationId xmlns:a16="http://schemas.microsoft.com/office/drawing/2014/main" id="{49F6C466-B847-478E-ADAD-F2B14AA5067A}"/>
+                <a16:creationId xmlns:a16="http://schemas.microsoft.com/office/drawing/2014/main" id="{7822D16F-EA55-8320-5EA9-8A8E881AB06F}"/>
               </a:ext>
             </a:extLst>
           </p:cNvPr>
@@ -6738,8 +6863,8 @@
         </p:blipFill>
         <p:spPr>
           <a:xfrm>
-            <a:off x="1077475" y="1901819"/>
-            <a:ext cx="3054361" cy="3054361"/>
+            <a:off x="962108" y="1264258"/>
+            <a:ext cx="10515599" cy="4024986"/>
           </a:xfrm>
           <a:prstGeom prst="rect">
             <a:avLst/>
@@ -6749,7 +6874,7 @@
     </p:spTree>
     <p:extLst>
       <p:ext uri="{BB962C8B-B14F-4D97-AF65-F5344CB8AC3E}">
-        <p14:creationId xmlns:p14="http://schemas.microsoft.com/office/powerpoint/2010/main" val="9691683"/>
+        <p14:creationId xmlns:p14="http://schemas.microsoft.com/office/powerpoint/2010/main" val="916853615"/>
       </p:ext>
     </p:extLst>
   </p:cSld>
@@ -6806,7 +6931,7 @@
           <a:p>
             <a:r>
               <a:rPr lang="en-US" dirty="0"/>
-              <a:t>DASHBOARD TAB 1</a:t>
+              <a:t>DASHBOARD TAB 2</a:t>
             </a:r>
           </a:p>
         </p:txBody>
@@ -6848,6 +6973,15 @@
             </a:pPr>
             <a:endParaRPr lang="en-US" dirty="0"/>
           </a:p>
+          <a:p>
+            <a:pPr marL="0" indent="0">
+              <a:buNone/>
+            </a:pPr>
+            <a:r>
+              <a:rPr lang="en-US" dirty="0"/>
+              <a:t>Screenshot of dashboard tab 2 goes here</a:t>
+            </a:r>
+          </a:p>
         </p:txBody>
       </p:sp>
       <p:pic>
@@ -6855,7 +6989,7 @@
           <p:cNvPr id="4" name="Picture 3">
             <a:extLst>
               <a:ext uri="{FF2B5EF4-FFF2-40B4-BE49-F238E27FC236}">
-                <a16:creationId xmlns:a16="http://schemas.microsoft.com/office/drawing/2014/main" id="{7822D16F-EA55-8320-5EA9-8A8E881AB06F}"/>
+                <a16:creationId xmlns:a16="http://schemas.microsoft.com/office/drawing/2014/main" id="{0074FEE3-CEEE-C68A-0F45-F50179461F62}"/>
               </a:ext>
             </a:extLst>
           </p:cNvPr>
@@ -6865,15 +6999,15 @@
           <p:nvPr/>
         </p:nvPicPr>
         <p:blipFill>
-          <a:blip r:embed="rId2"/>
+          <a:blip r:embed="rId3"/>
           <a:stretch>
             <a:fillRect/>
           </a:stretch>
         </p:blipFill>
         <p:spPr>
           <a:xfrm>
-            <a:off x="962108" y="1264258"/>
-            <a:ext cx="10515599" cy="4024986"/>
+            <a:off x="662152" y="1313793"/>
+            <a:ext cx="10878207" cy="4351338"/>
           </a:xfrm>
           <a:prstGeom prst="rect">
             <a:avLst/>
@@ -6883,7 +7017,7 @@
     </p:spTree>
     <p:extLst>
       <p:ext uri="{BB962C8B-B14F-4D97-AF65-F5344CB8AC3E}">
-        <p14:creationId xmlns:p14="http://schemas.microsoft.com/office/powerpoint/2010/main" val="916853615"/>
+        <p14:creationId xmlns:p14="http://schemas.microsoft.com/office/powerpoint/2010/main" val="3266127139"/>
       </p:ext>
     </p:extLst>
   </p:cSld>
@@ -6940,149 +7074,6 @@
           <a:p>
             <a:r>
               <a:rPr lang="en-US" dirty="0"/>
-              <a:t>DASHBOARD TAB 2</a:t>
-            </a:r>
-          </a:p>
-        </p:txBody>
-      </p:sp>
-      <p:sp>
-        <p:nvSpPr>
-          <p:cNvPr id="8" name="Content Placeholder 2">
-            <a:extLst>
-              <a:ext uri="{FF2B5EF4-FFF2-40B4-BE49-F238E27FC236}">
-                <a16:creationId xmlns:a16="http://schemas.microsoft.com/office/drawing/2014/main" id="{EFCC0E64-0E5B-4BA1-BC72-30FA1DE96F29}"/>
-              </a:ext>
-            </a:extLst>
-          </p:cNvPr>
-          <p:cNvSpPr>
-            <a:spLocks noGrp="1"/>
-          </p:cNvSpPr>
-          <p:nvPr>
-            <p:ph idx="1"/>
-          </p:nvPr>
-        </p:nvSpPr>
-        <p:spPr>
-          <a:xfrm>
-            <a:off x="838200" y="1690688"/>
-            <a:ext cx="10515600" cy="4351338"/>
-          </a:xfrm>
-        </p:spPr>
-        <p:txBody>
-          <a:bodyPr/>
-          <a:lstStyle/>
-          <a:p>
-            <a:pPr marL="0" indent="0">
-              <a:buNone/>
-            </a:pPr>
-            <a:endParaRPr lang="en-US" dirty="0"/>
-          </a:p>
-          <a:p>
-            <a:pPr marL="0" indent="0">
-              <a:buNone/>
-            </a:pPr>
-            <a:endParaRPr lang="en-US" dirty="0"/>
-          </a:p>
-          <a:p>
-            <a:pPr marL="0" indent="0">
-              <a:buNone/>
-            </a:pPr>
-            <a:r>
-              <a:rPr lang="en-US" dirty="0"/>
-              <a:t>Screenshot of dashboard tab 2 goes here</a:t>
-            </a:r>
-          </a:p>
-        </p:txBody>
-      </p:sp>
-      <p:pic>
-        <p:nvPicPr>
-          <p:cNvPr id="4" name="Picture 3">
-            <a:extLst>
-              <a:ext uri="{FF2B5EF4-FFF2-40B4-BE49-F238E27FC236}">
-                <a16:creationId xmlns:a16="http://schemas.microsoft.com/office/drawing/2014/main" id="{0074FEE3-CEEE-C68A-0F45-F50179461F62}"/>
-              </a:ext>
-            </a:extLst>
-          </p:cNvPr>
-          <p:cNvPicPr>
-            <a:picLocks noChangeAspect="1"/>
-          </p:cNvPicPr>
-          <p:nvPr/>
-        </p:nvPicPr>
-        <p:blipFill>
-          <a:blip r:embed="rId3"/>
-          <a:stretch>
-            <a:fillRect/>
-          </a:stretch>
-        </p:blipFill>
-        <p:spPr>
-          <a:xfrm>
-            <a:off x="662152" y="1313793"/>
-            <a:ext cx="10878207" cy="4351338"/>
-          </a:xfrm>
-          <a:prstGeom prst="rect">
-            <a:avLst/>
-          </a:prstGeom>
-        </p:spPr>
-      </p:pic>
-    </p:spTree>
-    <p:extLst>
-      <p:ext uri="{BB962C8B-B14F-4D97-AF65-F5344CB8AC3E}">
-        <p14:creationId xmlns:p14="http://schemas.microsoft.com/office/powerpoint/2010/main" val="3266127139"/>
-      </p:ext>
-    </p:extLst>
-  </p:cSld>
-  <p:clrMapOvr>
-    <a:masterClrMapping/>
-  </p:clrMapOvr>
-</p:sld>
-</file>
-
-<file path=ppt/slides/slide14.xml><?xml version="1.0" encoding="utf-8"?>
-<p:sld xmlns:a="http://schemas.openxmlformats.org/drawingml/2006/main" xmlns:r="http://schemas.openxmlformats.org/officeDocument/2006/relationships" xmlns:p="http://schemas.openxmlformats.org/presentationml/2006/main">
-  <p:cSld>
-    <p:spTree>
-      <p:nvGrpSpPr>
-        <p:cNvPr id="1" name=""/>
-        <p:cNvGrpSpPr/>
-        <p:nvPr/>
-      </p:nvGrpSpPr>
-      <p:grpSpPr>
-        <a:xfrm>
-          <a:off x="0" y="0"/>
-          <a:ext cx="0" cy="0"/>
-          <a:chOff x="0" y="0"/>
-          <a:chExt cx="0" cy="0"/>
-        </a:xfrm>
-      </p:grpSpPr>
-      <p:sp>
-        <p:nvSpPr>
-          <p:cNvPr id="2" name="Title 1">
-            <a:extLst>
-              <a:ext uri="{FF2B5EF4-FFF2-40B4-BE49-F238E27FC236}">
-                <a16:creationId xmlns:a16="http://schemas.microsoft.com/office/drawing/2014/main" id="{2873BEC0-94F5-4226-A9E7-51B66045EF49}"/>
-              </a:ext>
-            </a:extLst>
-          </p:cNvPr>
-          <p:cNvSpPr>
-            <a:spLocks noGrp="1"/>
-          </p:cNvSpPr>
-          <p:nvPr>
-            <p:ph type="title"/>
-          </p:nvPr>
-        </p:nvSpPr>
-        <p:spPr>
-          <a:xfrm>
-            <a:off x="838200" y="365125"/>
-            <a:ext cx="10515600" cy="1325563"/>
-          </a:xfrm>
-        </p:spPr>
-        <p:txBody>
-          <a:bodyPr anchor="ctr">
-            <a:normAutofit/>
-          </a:bodyPr>
-          <a:lstStyle/>
-          <a:p>
-            <a:r>
-              <a:rPr lang="en-US" dirty="0"/>
               <a:t>DASHBOARD TAB 3</a:t>
             </a:r>
           </a:p>
@@ -7179,7 +7170,7 @@
 </p:sld>
 </file>
 
-<file path=ppt/slides/slide15.xml><?xml version="1.0" encoding="utf-8"?>
+<file path=ppt/slides/slide14.xml><?xml version="1.0" encoding="utf-8"?>
 <p:sld xmlns:a="http://schemas.openxmlformats.org/drawingml/2006/main" xmlns:r="http://schemas.openxmlformats.org/officeDocument/2006/relationships" xmlns:p="http://schemas.openxmlformats.org/presentationml/2006/main">
   <p:cSld>
     <p:spTree>
@@ -7330,7 +7321,7 @@
 </p:sld>
 </file>
 
-<file path=ppt/slides/slide16.xml><?xml version="1.0" encoding="utf-8"?>
+<file path=ppt/slides/slide15.xml><?xml version="1.0" encoding="utf-8"?>
 <p:sld xmlns:a="http://schemas.openxmlformats.org/drawingml/2006/main" xmlns:r="http://schemas.openxmlformats.org/officeDocument/2006/relationships" xmlns:p="http://schemas.openxmlformats.org/presentationml/2006/main">
   <p:cSld>
     <p:spTree>
@@ -7489,7 +7480,7 @@
 </p:sld>
 </file>
 
-<file path=ppt/slides/slide17.xml><?xml version="1.0" encoding="utf-8"?>
+<file path=ppt/slides/slide16.xml><?xml version="1.0" encoding="utf-8"?>
 <p:sld xmlns:a="http://schemas.openxmlformats.org/drawingml/2006/main" xmlns:r="http://schemas.openxmlformats.org/officeDocument/2006/relationships" xmlns:p="http://schemas.openxmlformats.org/presentationml/2006/main">
   <p:cSld>
     <p:spTree>
@@ -7619,7 +7610,7 @@
 </p:sld>
 </file>
 
-<file path=ppt/slides/slide18.xml><?xml version="1.0" encoding="utf-8"?>
+<file path=ppt/slides/slide17.xml><?xml version="1.0" encoding="utf-8"?>
 <p:sld xmlns:a="http://schemas.openxmlformats.org/drawingml/2006/main" xmlns:r="http://schemas.openxmlformats.org/officeDocument/2006/relationships" xmlns:p="http://schemas.openxmlformats.org/presentationml/2006/main">
   <p:cSld>
     <p:spTree>
@@ -7671,56 +7662,35 @@
           </a:p>
         </p:txBody>
       </p:sp>
-      <p:sp>
-        <p:nvSpPr>
-          <p:cNvPr id="3" name="Content Placeholder 2">
+      <p:pic>
+        <p:nvPicPr>
+          <p:cNvPr id="7" name="Content Placeholder 6">
             <a:extLst>
               <a:ext uri="{FF2B5EF4-FFF2-40B4-BE49-F238E27FC236}">
-                <a16:creationId xmlns:a16="http://schemas.microsoft.com/office/drawing/2014/main" id="{902FD5C4-FE5F-46D2-ABC9-49FA4BB8442F}"/>
+                <a16:creationId xmlns:a16="http://schemas.microsoft.com/office/drawing/2014/main" id="{96AEA97D-3B25-39E0-6DB1-6F9EBFA87A55}"/>
               </a:ext>
             </a:extLst>
           </p:cNvPr>
-          <p:cNvSpPr>
-            <a:spLocks noGrp="1"/>
-          </p:cNvSpPr>
+          <p:cNvPicPr>
+            <a:picLocks noGrp="1" noChangeAspect="1"/>
+          </p:cNvPicPr>
           <p:nvPr>
             <p:ph sz="half" idx="2"/>
           </p:nvPr>
-        </p:nvSpPr>
+        </p:nvPicPr>
+        <p:blipFill>
+          <a:blip r:embed="rId3"/>
+          <a:stretch>
+            <a:fillRect/>
+          </a:stretch>
+        </p:blipFill>
         <p:spPr>
           <a:xfrm>
-            <a:off x="878305" y="2191385"/>
-            <a:ext cx="10525371" cy="2862753"/>
+            <a:off x="839244" y="1708614"/>
+            <a:ext cx="10121030" cy="4028611"/>
           </a:xfrm>
         </p:spPr>
-        <p:txBody>
-          <a:bodyPr>
-            <a:normAutofit/>
-          </a:bodyPr>
-          <a:lstStyle/>
-          <a:p>
-            <a:pPr marL="0" indent="0">
-              <a:buNone/>
-            </a:pPr>
-            <a:r>
-              <a:rPr lang="en-US" sz="2200" dirty="0"/>
-              <a:t>In Module 1 you have collected the job postings data using web scraping in a file named “</a:t>
-            </a:r>
-            <a:r>
-              <a:rPr lang="en-IN" sz="2400" dirty="0"/>
-              <a:t>popular-</a:t>
-            </a:r>
-            <a:r>
-              <a:rPr lang="en-IN" sz="2400" dirty="0" err="1"/>
-              <a:t>languages.csv</a:t>
-            </a:r>
-            <a:r>
-              <a:rPr lang="en-US" sz="2200" dirty="0"/>
-              <a:t>”. Present that data using a bar chart here. Order the bar chart in the descending order of salary.</a:t>
-            </a:r>
-          </a:p>
-        </p:txBody>
-      </p:sp>
+      </p:pic>
     </p:spTree>
     <p:extLst>
       <p:ext uri="{BB962C8B-B14F-4D97-AF65-F5344CB8AC3E}">
@@ -9086,118 +9056,6 @@
           <p:cNvPr id="2" name="Title 1">
             <a:extLst>
               <a:ext uri="{FF2B5EF4-FFF2-40B4-BE49-F238E27FC236}">
-                <a16:creationId xmlns:a16="http://schemas.microsoft.com/office/drawing/2014/main" id="{2873BEC0-94F5-4226-A9E7-51B66045EF49}"/>
-              </a:ext>
-            </a:extLst>
-          </p:cNvPr>
-          <p:cNvSpPr>
-            <a:spLocks noGrp="1"/>
-          </p:cNvSpPr>
-          <p:nvPr>
-            <p:ph type="title"/>
-          </p:nvPr>
-        </p:nvSpPr>
-        <p:spPr>
-          <a:xfrm>
-            <a:off x="838200" y="365125"/>
-            <a:ext cx="10515600" cy="1325563"/>
-          </a:xfrm>
-        </p:spPr>
-        <p:txBody>
-          <a:bodyPr anchor="ctr">
-            <a:normAutofit/>
-          </a:bodyPr>
-          <a:lstStyle/>
-          <a:p>
-            <a:r>
-              <a:rPr lang="en-US" dirty="0"/>
-              <a:t>RESULTS</a:t>
-            </a:r>
-          </a:p>
-        </p:txBody>
-      </p:sp>
-      <p:sp>
-        <p:nvSpPr>
-          <p:cNvPr id="3" name="Content Placeholder 2">
-            <a:extLst>
-              <a:ext uri="{FF2B5EF4-FFF2-40B4-BE49-F238E27FC236}">
-                <a16:creationId xmlns:a16="http://schemas.microsoft.com/office/drawing/2014/main" id="{902FD5C4-FE5F-46D2-ABC9-49FA4BB8442F}"/>
-              </a:ext>
-            </a:extLst>
-          </p:cNvPr>
-          <p:cNvSpPr>
-            <a:spLocks noGrp="1"/>
-          </p:cNvSpPr>
-          <p:nvPr>
-            <p:ph sz="half" idx="2"/>
-          </p:nvPr>
-        </p:nvSpPr>
-        <p:spPr>
-          <a:xfrm>
-            <a:off x="1043114" y="1825625"/>
-            <a:ext cx="7068725" cy="4351338"/>
-          </a:xfrm>
-        </p:spPr>
-        <p:txBody>
-          <a:bodyPr>
-            <a:normAutofit/>
-          </a:bodyPr>
-          <a:lstStyle/>
-          <a:p>
-            <a:pPr marL="0" indent="0">
-              <a:buNone/>
-            </a:pPr>
-            <a:endParaRPr lang="en-US" sz="1800" dirty="0"/>
-          </a:p>
-          <a:p>
-            <a:pPr marL="0" indent="0">
-              <a:buNone/>
-            </a:pPr>
-            <a:endParaRPr lang="en-US" sz="1800" dirty="0"/>
-          </a:p>
-          <a:p>
-            <a:pPr marL="0" indent="0">
-              <a:buNone/>
-            </a:pPr>
-            <a:endParaRPr lang="en-US" sz="1800" dirty="0"/>
-          </a:p>
-        </p:txBody>
-      </p:sp>
-    </p:spTree>
-    <p:extLst>
-      <p:ext uri="{BB962C8B-B14F-4D97-AF65-F5344CB8AC3E}">
-        <p14:creationId xmlns:p14="http://schemas.microsoft.com/office/powerpoint/2010/main" val="1464666480"/>
-      </p:ext>
-    </p:extLst>
-  </p:cSld>
-  <p:clrMapOvr>
-    <a:masterClrMapping/>
-  </p:clrMapOvr>
-</p:sld>
-</file>
-
-<file path=ppt/slides/slide7.xml><?xml version="1.0" encoding="utf-8"?>
-<p:sld xmlns:a="http://schemas.openxmlformats.org/drawingml/2006/main" xmlns:r="http://schemas.openxmlformats.org/officeDocument/2006/relationships" xmlns:p="http://schemas.openxmlformats.org/presentationml/2006/main">
-  <p:cSld>
-    <p:spTree>
-      <p:nvGrpSpPr>
-        <p:cNvPr id="1" name=""/>
-        <p:cNvGrpSpPr/>
-        <p:nvPr/>
-      </p:nvGrpSpPr>
-      <p:grpSpPr>
-        <a:xfrm>
-          <a:off x="0" y="0"/>
-          <a:ext cx="0" cy="0"/>
-          <a:chOff x="0" y="0"/>
-          <a:chExt cx="0" cy="0"/>
-        </a:xfrm>
-      </p:grpSpPr>
-      <p:sp>
-        <p:nvSpPr>
-          <p:cNvPr id="2" name="Title 1">
-            <a:extLst>
-              <a:ext uri="{FF2B5EF4-FFF2-40B4-BE49-F238E27FC236}">
                 <a16:creationId xmlns:a16="http://schemas.microsoft.com/office/drawing/2014/main" id="{65C3525F-7CB4-4C06-B037-C81D2DED9B80}"/>
               </a:ext>
             </a:extLst>
@@ -9734,7 +9592,7 @@
 </p:sld>
 </file>
 
-<file path=ppt/slides/slide8.xml><?xml version="1.0" encoding="utf-8"?>
+<file path=ppt/slides/slide7.xml><?xml version="1.0" encoding="utf-8"?>
 <p:sld xmlns:a="http://schemas.openxmlformats.org/drawingml/2006/main" xmlns:r="http://schemas.openxmlformats.org/officeDocument/2006/relationships" xmlns:p="http://schemas.openxmlformats.org/presentationml/2006/main">
   <p:cSld>
     <p:spTree>
@@ -9932,7 +9790,7 @@
 </p:sld>
 </file>
 
-<file path=ppt/slides/slide9.xml><?xml version="1.0" encoding="utf-8"?>
+<file path=ppt/slides/slide8.xml><?xml version="1.0" encoding="utf-8"?>
 <p:sld xmlns:a="http://schemas.openxmlformats.org/drawingml/2006/main" xmlns:r="http://schemas.openxmlformats.org/officeDocument/2006/relationships" xmlns:p="http://schemas.openxmlformats.org/presentationml/2006/main">
   <p:cSld>
     <p:spTree>
@@ -10486,6 +10344,166 @@
     <p:extLst>
       <p:ext uri="{BB962C8B-B14F-4D97-AF65-F5344CB8AC3E}">
         <p14:creationId xmlns:p14="http://schemas.microsoft.com/office/powerpoint/2010/main" val="1074638838"/>
+      </p:ext>
+    </p:extLst>
+  </p:cSld>
+  <p:clrMapOvr>
+    <a:masterClrMapping/>
+  </p:clrMapOvr>
+</p:sld>
+</file>
+
+<file path=ppt/slides/slide9.xml><?xml version="1.0" encoding="utf-8"?>
+<p:sld xmlns:a="http://schemas.openxmlformats.org/drawingml/2006/main" xmlns:r="http://schemas.openxmlformats.org/officeDocument/2006/relationships" xmlns:p="http://schemas.openxmlformats.org/presentationml/2006/main">
+  <p:cSld>
+    <p:spTree>
+      <p:nvGrpSpPr>
+        <p:cNvPr id="1" name=""/>
+        <p:cNvGrpSpPr/>
+        <p:nvPr/>
+      </p:nvGrpSpPr>
+      <p:grpSpPr>
+        <a:xfrm>
+          <a:off x="0" y="0"/>
+          <a:ext cx="0" cy="0"/>
+          <a:chOff x="0" y="0"/>
+          <a:chExt cx="0" cy="0"/>
+        </a:xfrm>
+      </p:grpSpPr>
+      <p:sp>
+        <p:nvSpPr>
+          <p:cNvPr id="2" name="Title 1">
+            <a:extLst>
+              <a:ext uri="{FF2B5EF4-FFF2-40B4-BE49-F238E27FC236}">
+                <a16:creationId xmlns:a16="http://schemas.microsoft.com/office/drawing/2014/main" id="{65C3525F-7CB4-4C06-B037-C81D2DED9B80}"/>
+              </a:ext>
+            </a:extLst>
+          </p:cNvPr>
+          <p:cNvSpPr>
+            <a:spLocks noGrp="1"/>
+          </p:cNvSpPr>
+          <p:nvPr>
+            <p:ph type="title"/>
+          </p:nvPr>
+        </p:nvSpPr>
+        <p:spPr>
+          <a:xfrm>
+            <a:off x="838200" y="162839"/>
+            <a:ext cx="10515600" cy="1527850"/>
+          </a:xfrm>
+        </p:spPr>
+        <p:txBody>
+          <a:bodyPr>
+            <a:normAutofit/>
+          </a:bodyPr>
+          <a:lstStyle/>
+          <a:p>
+            <a:r>
+              <a:rPr lang="en-US" sz="3600" dirty="0"/>
+              <a:t>DATABASE TRENDS - FINDINGS &amp; IMPLICATIONS</a:t>
+            </a:r>
+          </a:p>
+        </p:txBody>
+      </p:sp>
+      <p:sp>
+        <p:nvSpPr>
+          <p:cNvPr id="3" name="Content Placeholder 2">
+            <a:extLst>
+              <a:ext uri="{FF2B5EF4-FFF2-40B4-BE49-F238E27FC236}">
+                <a16:creationId xmlns:a16="http://schemas.microsoft.com/office/drawing/2014/main" id="{E4FC0D20-FACF-4D73-BD27-CF8F6B97546A}"/>
+              </a:ext>
+            </a:extLst>
+          </p:cNvPr>
+          <p:cNvSpPr>
+            <a:spLocks noGrp="1"/>
+          </p:cNvSpPr>
+          <p:nvPr>
+            <p:ph sz="half" idx="1"/>
+          </p:nvPr>
+        </p:nvSpPr>
+        <p:spPr>
+          <a:xfrm>
+            <a:off x="813816" y="1825625"/>
+            <a:ext cx="5181600" cy="4351338"/>
+          </a:xfrm>
+        </p:spPr>
+        <p:txBody>
+          <a:bodyPr>
+            <a:normAutofit/>
+          </a:bodyPr>
+          <a:lstStyle/>
+          <a:p>
+            <a:pPr marL="0" indent="0">
+              <a:buNone/>
+            </a:pPr>
+            <a:r>
+              <a:rPr lang="en-US" b="1" dirty="0"/>
+              <a:t>Findings</a:t>
+            </a:r>
+          </a:p>
+          <a:p>
+            <a:r>
+              <a:rPr lang="en-US" dirty="0"/>
+              <a:t>Finding 1: The continuous popularity of Python signals its robustness for future projects.</a:t>
+            </a:r>
+          </a:p>
+          <a:p>
+            <a:r>
+              <a:rPr lang="en-US" dirty="0"/>
+              <a:t>.Finding 2: The shift towards NoSQL databases like MongoDB suggests a need for more flexible data solutions</a:t>
+            </a:r>
+          </a:p>
+        </p:txBody>
+      </p:sp>
+      <p:sp>
+        <p:nvSpPr>
+          <p:cNvPr id="4" name="Content Placeholder 3">
+            <a:extLst>
+              <a:ext uri="{FF2B5EF4-FFF2-40B4-BE49-F238E27FC236}">
+                <a16:creationId xmlns:a16="http://schemas.microsoft.com/office/drawing/2014/main" id="{ACA6A89D-097D-4968-A07A-39A5B4F78A62}"/>
+              </a:ext>
+            </a:extLst>
+          </p:cNvPr>
+          <p:cNvSpPr>
+            <a:spLocks noGrp="1"/>
+          </p:cNvSpPr>
+          <p:nvPr>
+            <p:ph sz="half" idx="2"/>
+          </p:nvPr>
+        </p:nvSpPr>
+        <p:spPr/>
+        <p:txBody>
+          <a:bodyPr>
+            <a:normAutofit/>
+          </a:bodyPr>
+          <a:lstStyle/>
+          <a:p>
+            <a:pPr marL="0" indent="0">
+              <a:buNone/>
+            </a:pPr>
+            <a:r>
+              <a:rPr lang="en-US" b="1" dirty="0"/>
+              <a:t>Implications</a:t>
+            </a:r>
+          </a:p>
+          <a:p>
+            <a:r>
+              <a:rPr lang="en-US" dirty="0"/>
+              <a:t>Implication 1: Organizations should focus on building Python skills within their teams.</a:t>
+            </a:r>
+          </a:p>
+          <a:p>
+            <a:r>
+              <a:rPr lang="en-US" dirty="0"/>
+              <a:t>Implication 2: Companies may need to invest in training their workforce on NoSQL technologies.</a:t>
+            </a:r>
+          </a:p>
+        </p:txBody>
+      </p:sp>
+    </p:spTree>
+    <p:extLst>
+      <p:ext uri="{BB962C8B-B14F-4D97-AF65-F5344CB8AC3E}">
+        <p14:creationId xmlns:p14="http://schemas.microsoft.com/office/powerpoint/2010/main" val="2659604895"/>
       </p:ext>
     </p:extLst>
   </p:cSld>
@@ -10992,6 +11010,12 @@
 </file>
 
 <file path=customXml/item1.xml><?xml version="1.0" encoding="utf-8"?>
+<p:properties xmlns:p="http://schemas.microsoft.com/office/2006/metadata/properties" xmlns:xsi="http://www.w3.org/2001/XMLSchema-instance" xmlns:pc="http://schemas.microsoft.com/office/infopath/2007/PartnerControls">
+  <documentManagement/>
+</p:properties>
+</file>
+
+<file path=customXml/item2.xml><?xml version="1.0" encoding="utf-8"?>
 <ct:contentTypeSchema xmlns:ct="http://schemas.microsoft.com/office/2006/metadata/contentType" xmlns:ma="http://schemas.microsoft.com/office/2006/metadata/properties/metaAttributes" ct:_="" ma:_="" ma:contentTypeName="Document" ma:contentTypeID="0x010100EECD86F56755A646AC8AFCBCBD967F21" ma:contentTypeVersion="11" ma:contentTypeDescription="Create a new document." ma:contentTypeScope="" ma:versionID="4bc1015ece1c23b1ef2f55a62f11494f">
   <xsd:schema xmlns:xsd="http://www.w3.org/2001/XMLSchema" xmlns:xs="http://www.w3.org/2001/XMLSchema" xmlns:p="http://schemas.microsoft.com/office/2006/metadata/properties" xmlns:ns2="155be751-a274-42e8-93fb-f39d3b9bccc8" xmlns:ns3="f80a141d-92ca-4d3d-9308-f7e7b1d44ce8" targetNamespace="http://schemas.microsoft.com/office/2006/metadata/properties" ma:root="true" ma:fieldsID="efbf6837a43ed91190e40f849f23a130" ns2:_="" ns3:_="">
     <xsd:import namespace="155be751-a274-42e8-93fb-f39d3b9bccc8"/>
@@ -11202,12 +11226,6 @@
 </ct:contentTypeSchema>
 </file>
 
-<file path=customXml/item2.xml><?xml version="1.0" encoding="utf-8"?>
-<p:properties xmlns:p="http://schemas.microsoft.com/office/2006/metadata/properties" xmlns:xsi="http://www.w3.org/2001/XMLSchema-instance" xmlns:pc="http://schemas.microsoft.com/office/infopath/2007/PartnerControls">
-  <documentManagement/>
-</p:properties>
-</file>
-
 <file path=customXml/item3.xml><?xml version="1.0" encoding="utf-8"?>
 <?mso-contentType ?>
 <FormTemplates xmlns="http://schemas.microsoft.com/sharepoint/v3/contenttype/forms">
@@ -11218,6 +11236,15 @@
 </file>
 
 <file path=customXml/itemProps1.xml><?xml version="1.0" encoding="utf-8"?>
+<ds:datastoreItem xmlns:ds="http://schemas.openxmlformats.org/officeDocument/2006/customXml" ds:itemID="{54DA07C5-A406-4A0D-B3E6-3856C94AC7F3}">
+  <ds:schemaRefs>
+    <ds:schemaRef ds:uri="http://schemas.microsoft.com/office/2006/metadata/properties"/>
+    <ds:schemaRef ds:uri="http://schemas.microsoft.com/office/infopath/2007/PartnerControls"/>
+  </ds:schemaRefs>
+</ds:datastoreItem>
+</file>
+
+<file path=customXml/itemProps2.xml><?xml version="1.0" encoding="utf-8"?>
 <ds:datastoreItem xmlns:ds="http://schemas.openxmlformats.org/officeDocument/2006/customXml" ds:itemID="{887AE8FE-83F0-42D0-BB5E-14AD3FB1DE17}">
   <ds:schemaRefs>
     <ds:schemaRef ds:uri="http://schemas.microsoft.com/office/2006/metadata/contentType"/>
@@ -11236,15 +11263,6 @@
 </ds:datastoreItem>
 </file>
 
-<file path=customXml/itemProps2.xml><?xml version="1.0" encoding="utf-8"?>
-<ds:datastoreItem xmlns:ds="http://schemas.openxmlformats.org/officeDocument/2006/customXml" ds:itemID="{54DA07C5-A406-4A0D-B3E6-3856C94AC7F3}">
-  <ds:schemaRefs>
-    <ds:schemaRef ds:uri="http://schemas.microsoft.com/office/2006/metadata/properties"/>
-    <ds:schemaRef ds:uri="http://schemas.microsoft.com/office/infopath/2007/PartnerControls"/>
-  </ds:schemaRefs>
-</ds:datastoreItem>
-</file>
-
 <file path=customXml/itemProps3.xml><?xml version="1.0" encoding="utf-8"?>
 <ds:datastoreItem xmlns:ds="http://schemas.openxmlformats.org/officeDocument/2006/customXml" ds:itemID="{7EFDA260-DDA0-422C-B7AE-778F653FBB36}">
   <ds:schemaRefs>
